--- a/v3 آگهی استخدام.pptx
+++ b/v3 آگهی استخدام.pptx
@@ -212,7 +212,7 @@
           <a:p>
             <a:fld id="{841687BB-C7A1-4F59-AA8B-DFDBBC3E63C5}" type="datetimeFigureOut">
               <a:rPr lang="fa-IR" smtClean="0"/>
-              <a:t>21/05/1443</a:t>
+              <a:t>29/04/1444</a:t>
             </a:fld>
             <a:endParaRPr lang="fa-IR"/>
           </a:p>
@@ -438,7 +438,7 @@
           <a:p>
             <a:fld id="{3B28FEAA-53E9-413A-BD3A-153A7DEE5D1A}" type="datetimeFigureOut">
               <a:rPr lang="fa-IR" smtClean="0"/>
-              <a:t>21/05/1443</a:t>
+              <a:t>29/04/1444</a:t>
             </a:fld>
             <a:endParaRPr lang="fa-IR"/>
           </a:p>
@@ -608,7 +608,7 @@
           <a:p>
             <a:fld id="{3B28FEAA-53E9-413A-BD3A-153A7DEE5D1A}" type="datetimeFigureOut">
               <a:rPr lang="fa-IR" smtClean="0"/>
-              <a:t>21/05/1443</a:t>
+              <a:t>29/04/1444</a:t>
             </a:fld>
             <a:endParaRPr lang="fa-IR"/>
           </a:p>
@@ -788,7 +788,7 @@
           <a:p>
             <a:fld id="{3B28FEAA-53E9-413A-BD3A-153A7DEE5D1A}" type="datetimeFigureOut">
               <a:rPr lang="fa-IR" smtClean="0"/>
-              <a:t>21/05/1443</a:t>
+              <a:t>29/04/1444</a:t>
             </a:fld>
             <a:endParaRPr lang="fa-IR"/>
           </a:p>
@@ -958,7 +958,7 @@
           <a:p>
             <a:fld id="{3B28FEAA-53E9-413A-BD3A-153A7DEE5D1A}" type="datetimeFigureOut">
               <a:rPr lang="fa-IR" smtClean="0"/>
-              <a:t>21/05/1443</a:t>
+              <a:t>29/04/1444</a:t>
             </a:fld>
             <a:endParaRPr lang="fa-IR"/>
           </a:p>
@@ -1202,7 +1202,7 @@
           <a:p>
             <a:fld id="{3B28FEAA-53E9-413A-BD3A-153A7DEE5D1A}" type="datetimeFigureOut">
               <a:rPr lang="fa-IR" smtClean="0"/>
-              <a:t>21/05/1443</a:t>
+              <a:t>29/04/1444</a:t>
             </a:fld>
             <a:endParaRPr lang="fa-IR"/>
           </a:p>
@@ -1434,7 +1434,7 @@
           <a:p>
             <a:fld id="{3B28FEAA-53E9-413A-BD3A-153A7DEE5D1A}" type="datetimeFigureOut">
               <a:rPr lang="fa-IR" smtClean="0"/>
-              <a:t>21/05/1443</a:t>
+              <a:t>29/04/1444</a:t>
             </a:fld>
             <a:endParaRPr lang="fa-IR"/>
           </a:p>
@@ -1801,7 +1801,7 @@
           <a:p>
             <a:fld id="{3B28FEAA-53E9-413A-BD3A-153A7DEE5D1A}" type="datetimeFigureOut">
               <a:rPr lang="fa-IR" smtClean="0"/>
-              <a:t>21/05/1443</a:t>
+              <a:t>29/04/1444</a:t>
             </a:fld>
             <a:endParaRPr lang="fa-IR"/>
           </a:p>
@@ -1919,7 +1919,7 @@
           <a:p>
             <a:fld id="{3B28FEAA-53E9-413A-BD3A-153A7DEE5D1A}" type="datetimeFigureOut">
               <a:rPr lang="fa-IR" smtClean="0"/>
-              <a:t>21/05/1443</a:t>
+              <a:t>29/04/1444</a:t>
             </a:fld>
             <a:endParaRPr lang="fa-IR"/>
           </a:p>
@@ -2014,7 +2014,7 @@
           <a:p>
             <a:fld id="{3B28FEAA-53E9-413A-BD3A-153A7DEE5D1A}" type="datetimeFigureOut">
               <a:rPr lang="fa-IR" smtClean="0"/>
-              <a:t>21/05/1443</a:t>
+              <a:t>29/04/1444</a:t>
             </a:fld>
             <a:endParaRPr lang="fa-IR"/>
           </a:p>
@@ -2291,7 +2291,7 @@
           <a:p>
             <a:fld id="{3B28FEAA-53E9-413A-BD3A-153A7DEE5D1A}" type="datetimeFigureOut">
               <a:rPr lang="fa-IR" smtClean="0"/>
-              <a:t>21/05/1443</a:t>
+              <a:t>29/04/1444</a:t>
             </a:fld>
             <a:endParaRPr lang="fa-IR"/>
           </a:p>
@@ -2548,7 +2548,7 @@
           <a:p>
             <a:fld id="{3B28FEAA-53E9-413A-BD3A-153A7DEE5D1A}" type="datetimeFigureOut">
               <a:rPr lang="fa-IR" smtClean="0"/>
-              <a:t>21/05/1443</a:t>
+              <a:t>29/04/1444</a:t>
             </a:fld>
             <a:endParaRPr lang="fa-IR"/>
           </a:p>
@@ -2761,7 +2761,7 @@
           <a:p>
             <a:fld id="{3B28FEAA-53E9-413A-BD3A-153A7DEE5D1A}" type="datetimeFigureOut">
               <a:rPr lang="fa-IR" smtClean="0"/>
-              <a:t>21/05/1443</a:t>
+              <a:t>29/04/1444</a:t>
             </a:fld>
             <a:endParaRPr lang="fa-IR"/>
           </a:p>
@@ -3263,7 +3263,7 @@
         <p:spPr>
           <a:xfrm>
             <a:off x="270777" y="1093413"/>
-            <a:ext cx="8377084" cy="5869556"/>
+            <a:ext cx="8377084" cy="5638723"/>
           </a:xfrm>
           <a:prstGeom prst="rect">
             <a:avLst/>
@@ -3860,10 +3860,10 @@
                 <a:ea typeface="Calibri" panose="020F0502020204030204" pitchFamily="34" charset="0"/>
                 <a:cs typeface="IRANSans Medium" panose="02040503050201020203" pitchFamily="18" charset="-78"/>
               </a:rPr>
-              <a:t>ما به دنبال </a:t>
-            </a:r>
-            <a:r>
-              <a:rPr lang="fa-IR" sz="1000" dirty="0" err="1">
+              <a:t>ما به دنبال همکارانی با این مشخصات هستیم:</a:t>
+            </a:r>
+            <a:r>
+              <a:rPr lang="en-US" sz="1000">
                 <a:solidFill>
                   <a:schemeClr val="bg1"/>
                 </a:solidFill>
@@ -3871,18 +3871,7 @@
                 <a:ea typeface="Calibri" panose="020F0502020204030204" pitchFamily="34" charset="0"/>
                 <a:cs typeface="IRANSans Medium" panose="02040503050201020203" pitchFamily="18" charset="-78"/>
               </a:rPr>
-              <a:t>همکارانی</a:t>
-            </a:r>
-            <a:r>
-              <a:rPr lang="fa-IR" sz="1000" dirty="0">
-                <a:solidFill>
-                  <a:schemeClr val="bg1"/>
-                </a:solidFill>
-                <a:latin typeface="IRANSans Medium" panose="02040503050201020203" pitchFamily="18" charset="-78"/>
-                <a:ea typeface="Calibri" panose="020F0502020204030204" pitchFamily="34" charset="0"/>
-                <a:cs typeface="IRANSans Medium" panose="02040503050201020203" pitchFamily="18" charset="-78"/>
-              </a:rPr>
-              <a:t> با این مشخصات هستیم:</a:t>
+              <a:t>bvghhgvhgfc</a:t>
             </a:r>
             <a:endParaRPr lang="en-US" sz="1000" dirty="0">
               <a:solidFill>
